--- a/Tourism Triad.pptx
+++ b/Tourism Triad.pptx
@@ -310,6 +310,18 @@
   <p:clrMapOvr>
     <a:masterClrMapping/>
   </p:clrMapOvr>
+  <mc:AlternateContent xmlns:mc="http://schemas.openxmlformats.org/markup-compatibility/2006" xmlns:p15="http://schemas.microsoft.com/office/powerpoint/2012/main">
+    <mc:Choice Requires="p15">
+      <p:transition xmlns:p14="http://schemas.microsoft.com/office/powerpoint/2010/main" spd="slow" p14:dur="2000">
+        <p15:prstTrans prst="fracture"/>
+      </p:transition>
+    </mc:Choice>
+    <mc:Fallback xmlns="">
+      <p:transition spd="slow">
+        <p:fade/>
+      </p:transition>
+    </mc:Fallback>
+  </mc:AlternateContent>
 </p:sldLayout>
 </file>
 
@@ -480,6 +492,18 @@
   <p:clrMapOvr>
     <a:masterClrMapping/>
   </p:clrMapOvr>
+  <mc:AlternateContent xmlns:mc="http://schemas.openxmlformats.org/markup-compatibility/2006" xmlns:p15="http://schemas.microsoft.com/office/powerpoint/2012/main">
+    <mc:Choice Requires="p15">
+      <p:transition xmlns:p14="http://schemas.microsoft.com/office/powerpoint/2010/main" spd="slow" p14:dur="2000">
+        <p15:prstTrans prst="fracture"/>
+      </p:transition>
+    </mc:Choice>
+    <mc:Fallback xmlns="">
+      <p:transition spd="slow">
+        <p:fade/>
+      </p:transition>
+    </mc:Fallback>
+  </mc:AlternateContent>
 </p:sldLayout>
 </file>
 
@@ -660,6 +684,18 @@
   <p:clrMapOvr>
     <a:masterClrMapping/>
   </p:clrMapOvr>
+  <mc:AlternateContent xmlns:mc="http://schemas.openxmlformats.org/markup-compatibility/2006" xmlns:p15="http://schemas.microsoft.com/office/powerpoint/2012/main">
+    <mc:Choice Requires="p15">
+      <p:transition xmlns:p14="http://schemas.microsoft.com/office/powerpoint/2010/main" spd="slow" p14:dur="2000">
+        <p15:prstTrans prst="fracture"/>
+      </p:transition>
+    </mc:Choice>
+    <mc:Fallback xmlns="">
+      <p:transition spd="slow">
+        <p:fade/>
+      </p:transition>
+    </mc:Fallback>
+  </mc:AlternateContent>
 </p:sldLayout>
 </file>
 
@@ -830,6 +866,18 @@
   <p:clrMapOvr>
     <a:masterClrMapping/>
   </p:clrMapOvr>
+  <mc:AlternateContent xmlns:mc="http://schemas.openxmlformats.org/markup-compatibility/2006" xmlns:p15="http://schemas.microsoft.com/office/powerpoint/2012/main">
+    <mc:Choice Requires="p15">
+      <p:transition xmlns:p14="http://schemas.microsoft.com/office/powerpoint/2010/main" spd="slow" p14:dur="2000">
+        <p15:prstTrans prst="fracture"/>
+      </p:transition>
+    </mc:Choice>
+    <mc:Fallback xmlns="">
+      <p:transition spd="slow">
+        <p:fade/>
+      </p:transition>
+    </mc:Fallback>
+  </mc:AlternateContent>
 </p:sldLayout>
 </file>
 
@@ -1076,6 +1124,18 @@
   <p:clrMapOvr>
     <a:masterClrMapping/>
   </p:clrMapOvr>
+  <mc:AlternateContent xmlns:mc="http://schemas.openxmlformats.org/markup-compatibility/2006" xmlns:p15="http://schemas.microsoft.com/office/powerpoint/2012/main">
+    <mc:Choice Requires="p15">
+      <p:transition xmlns:p14="http://schemas.microsoft.com/office/powerpoint/2010/main" spd="slow" p14:dur="2000">
+        <p15:prstTrans prst="fracture"/>
+      </p:transition>
+    </mc:Choice>
+    <mc:Fallback xmlns="">
+      <p:transition spd="slow">
+        <p:fade/>
+      </p:transition>
+    </mc:Fallback>
+  </mc:AlternateContent>
 </p:sldLayout>
 </file>
 
@@ -1308,6 +1368,18 @@
   <p:clrMapOvr>
     <a:masterClrMapping/>
   </p:clrMapOvr>
+  <mc:AlternateContent xmlns:mc="http://schemas.openxmlformats.org/markup-compatibility/2006" xmlns:p15="http://schemas.microsoft.com/office/powerpoint/2012/main">
+    <mc:Choice Requires="p15">
+      <p:transition xmlns:p14="http://schemas.microsoft.com/office/powerpoint/2010/main" spd="slow" p14:dur="2000">
+        <p15:prstTrans prst="fracture"/>
+      </p:transition>
+    </mc:Choice>
+    <mc:Fallback xmlns="">
+      <p:transition spd="slow">
+        <p:fade/>
+      </p:transition>
+    </mc:Fallback>
+  </mc:AlternateContent>
 </p:sldLayout>
 </file>
 
@@ -1675,6 +1747,18 @@
   <p:clrMapOvr>
     <a:masterClrMapping/>
   </p:clrMapOvr>
+  <mc:AlternateContent xmlns:mc="http://schemas.openxmlformats.org/markup-compatibility/2006" xmlns:p15="http://schemas.microsoft.com/office/powerpoint/2012/main">
+    <mc:Choice Requires="p15">
+      <p:transition xmlns:p14="http://schemas.microsoft.com/office/powerpoint/2010/main" spd="slow" p14:dur="2000">
+        <p15:prstTrans prst="fracture"/>
+      </p:transition>
+    </mc:Choice>
+    <mc:Fallback xmlns="">
+      <p:transition spd="slow">
+        <p:fade/>
+      </p:transition>
+    </mc:Fallback>
+  </mc:AlternateContent>
 </p:sldLayout>
 </file>
 
@@ -1793,6 +1877,18 @@
   <p:clrMapOvr>
     <a:masterClrMapping/>
   </p:clrMapOvr>
+  <mc:AlternateContent xmlns:mc="http://schemas.openxmlformats.org/markup-compatibility/2006" xmlns:p15="http://schemas.microsoft.com/office/powerpoint/2012/main">
+    <mc:Choice Requires="p15">
+      <p:transition xmlns:p14="http://schemas.microsoft.com/office/powerpoint/2010/main" spd="slow" p14:dur="2000">
+        <p15:prstTrans prst="fracture"/>
+      </p:transition>
+    </mc:Choice>
+    <mc:Fallback xmlns="">
+      <p:transition spd="slow">
+        <p:fade/>
+      </p:transition>
+    </mc:Fallback>
+  </mc:AlternateContent>
 </p:sldLayout>
 </file>
 
@@ -1888,6 +1984,18 @@
   <p:clrMapOvr>
     <a:masterClrMapping/>
   </p:clrMapOvr>
+  <mc:AlternateContent xmlns:mc="http://schemas.openxmlformats.org/markup-compatibility/2006" xmlns:p15="http://schemas.microsoft.com/office/powerpoint/2012/main">
+    <mc:Choice Requires="p15">
+      <p:transition xmlns:p14="http://schemas.microsoft.com/office/powerpoint/2010/main" spd="slow" p14:dur="2000">
+        <p15:prstTrans prst="fracture"/>
+      </p:transition>
+    </mc:Choice>
+    <mc:Fallback xmlns="">
+      <p:transition spd="slow">
+        <p:fade/>
+      </p:transition>
+    </mc:Fallback>
+  </mc:AlternateContent>
 </p:sldLayout>
 </file>
 
@@ -2165,6 +2273,18 @@
   <p:clrMapOvr>
     <a:masterClrMapping/>
   </p:clrMapOvr>
+  <mc:AlternateContent xmlns:mc="http://schemas.openxmlformats.org/markup-compatibility/2006" xmlns:p15="http://schemas.microsoft.com/office/powerpoint/2012/main">
+    <mc:Choice Requires="p15">
+      <p:transition xmlns:p14="http://schemas.microsoft.com/office/powerpoint/2010/main" spd="slow" p14:dur="2000">
+        <p15:prstTrans prst="fracture"/>
+      </p:transition>
+    </mc:Choice>
+    <mc:Fallback xmlns="">
+      <p:transition spd="slow">
+        <p:fade/>
+      </p:transition>
+    </mc:Fallback>
+  </mc:AlternateContent>
 </p:sldLayout>
 </file>
 
@@ -2422,6 +2542,18 @@
   <p:clrMapOvr>
     <a:masterClrMapping/>
   </p:clrMapOvr>
+  <mc:AlternateContent xmlns:mc="http://schemas.openxmlformats.org/markup-compatibility/2006" xmlns:p15="http://schemas.microsoft.com/office/powerpoint/2012/main">
+    <mc:Choice Requires="p15">
+      <p:transition xmlns:p14="http://schemas.microsoft.com/office/powerpoint/2010/main" spd="slow" p14:dur="2000">
+        <p15:prstTrans prst="fracture"/>
+      </p:transition>
+    </mc:Choice>
+    <mc:Fallback xmlns="">
+      <p:transition spd="slow">
+        <p:fade/>
+      </p:transition>
+    </mc:Fallback>
+  </mc:AlternateContent>
 </p:sldLayout>
 </file>
 
@@ -2682,6 +2814,18 @@
     <p:sldLayoutId id="2147483694" r:id="rId10"/>
     <p:sldLayoutId id="2147483695" r:id="rId11"/>
   </p:sldLayoutIdLst>
+  <mc:AlternateContent xmlns:mc="http://schemas.openxmlformats.org/markup-compatibility/2006" xmlns:p15="http://schemas.microsoft.com/office/powerpoint/2012/main">
+    <mc:Choice Requires="p15">
+      <p:transition xmlns:p14="http://schemas.microsoft.com/office/powerpoint/2010/main" spd="slow" p14:dur="2000">
+        <p15:prstTrans prst="fracture"/>
+      </p:transition>
+    </mc:Choice>
+    <mc:Fallback xmlns="">
+      <p:transition spd="slow">
+        <p:fade/>
+      </p:transition>
+    </mc:Fallback>
+  </mc:AlternateContent>
   <p:txStyles>
     <p:titleStyle>
       <a:lvl1pPr algn="l" defTabSz="914400" rtl="0" eaLnBrk="1" latinLnBrk="0" hangingPunct="1">
@@ -4257,6 +4401,18 @@
   <p:clrMapOvr>
     <a:masterClrMapping/>
   </p:clrMapOvr>
+  <mc:AlternateContent xmlns:mc="http://schemas.openxmlformats.org/markup-compatibility/2006" xmlns:p15="http://schemas.microsoft.com/office/powerpoint/2012/main">
+    <mc:Choice Requires="p15">
+      <p:transition xmlns:p14="http://schemas.microsoft.com/office/powerpoint/2010/main" spd="slow" p14:dur="2000">
+        <p15:prstTrans prst="fracture"/>
+      </p:transition>
+    </mc:Choice>
+    <mc:Fallback xmlns="">
+      <p:transition spd="slow">
+        <p:fade/>
+      </p:transition>
+    </mc:Fallback>
+  </mc:AlternateContent>
 </p:sld>
 </file>
 
@@ -4299,7 +4455,14 @@
           <a:lstStyle/>
           <a:p>
             <a:r>
-              <a:rPr lang="en-US" dirty="0"/>
+              <a:rPr lang="en-US" b="1" dirty="0">
+                <a:solidFill>
+                  <a:schemeClr val="accent1">
+                    <a:lumMod val="20000"/>
+                    <a:lumOff val="80000"/>
+                  </a:schemeClr>
+                </a:solidFill>
+              </a:rPr>
               <a:t>Final Battle Cry</a:t>
             </a:r>
           </a:p>
@@ -4331,7 +4494,15 @@
             </a:pPr>
             <a:r>
               <a:rPr lang="en-US" dirty="0"/>
-              <a:t>With our triple threat skill set, it is most apparent that foes that dare to challenge us will be met with a heavy blow, as we exceed expectations of 75% classification, only allow the slightest of underfitting to occur, and utilize a multitude of models and their approach. </a:t>
+              <a:t>With our triple threat skill set, it is most apparent that foes that dare to challenge us will be met with a heavy blow, as we exceed expectations of </a:t>
+            </a:r>
+            <a:r>
+              <a:rPr lang="en-US" b="1" dirty="0"/>
+              <a:t>75% classification, only allow the slightest of underfitting to occur, and utilize a multitude of models and their approach.</a:t>
+            </a:r>
+            <a:r>
+              <a:rPr lang="en-US" dirty="0"/>
+              <a:t> </a:t>
             </a:r>
           </a:p>
           <a:p>
@@ -4346,11 +4517,83 @@
             </a:pPr>
             <a:r>
               <a:rPr lang="en-US" dirty="0"/>
-              <a:t>It is through our experience and pitfall that we can better convince the Genghis Khan and his empire to let them welcome us as the host of the next Slaughter Games.</a:t>
-            </a:r>
-          </a:p>
-        </p:txBody>
-      </p:sp>
+              <a:t>Through our experience and pitfall, we can better convince Genghis Khan and his empire to let them welcome us as the host of the next Slaughter Games.</a:t>
+            </a:r>
+          </a:p>
+        </p:txBody>
+      </p:sp>
+      <p:pic>
+        <p:nvPicPr>
+          <p:cNvPr id="4" name="Picture 3">
+            <a:extLst>
+              <a:ext uri="{FF2B5EF4-FFF2-40B4-BE49-F238E27FC236}">
+                <a16:creationId xmlns:a16="http://schemas.microsoft.com/office/drawing/2014/main" id="{59FA1299-6EBC-FE7B-57F4-EA1CD9CC121D}"/>
+              </a:ext>
+            </a:extLst>
+          </p:cNvPr>
+          <p:cNvPicPr>
+            <a:picLocks noChangeAspect="1"/>
+          </p:cNvPicPr>
+          <p:nvPr/>
+        </p:nvPicPr>
+        <p:blipFill>
+          <a:blip r:embed="rId2">
+            <a:extLst>
+              <a:ext uri="{28A0092B-C50C-407E-A947-70E740481C1C}">
+                <a14:useLocalDpi xmlns:a14="http://schemas.microsoft.com/office/drawing/2010/main" val="0"/>
+              </a:ext>
+            </a:extLst>
+          </a:blip>
+          <a:stretch>
+            <a:fillRect/>
+          </a:stretch>
+        </p:blipFill>
+        <p:spPr>
+          <a:xfrm flipV="1">
+            <a:off x="-1037135" y="1363133"/>
+            <a:ext cx="2754489" cy="4131734"/>
+          </a:xfrm>
+          <a:prstGeom prst="rect">
+            <a:avLst/>
+          </a:prstGeom>
+        </p:spPr>
+      </p:pic>
+      <p:pic>
+        <p:nvPicPr>
+          <p:cNvPr id="5" name="Picture 4">
+            <a:extLst>
+              <a:ext uri="{FF2B5EF4-FFF2-40B4-BE49-F238E27FC236}">
+                <a16:creationId xmlns:a16="http://schemas.microsoft.com/office/drawing/2014/main" id="{4E403F7B-6CA1-3FA4-6838-AA320BCEE19A}"/>
+              </a:ext>
+            </a:extLst>
+          </p:cNvPr>
+          <p:cNvPicPr>
+            <a:picLocks noChangeAspect="1"/>
+          </p:cNvPicPr>
+          <p:nvPr/>
+        </p:nvPicPr>
+        <p:blipFill>
+          <a:blip r:embed="rId2">
+            <a:extLst>
+              <a:ext uri="{28A0092B-C50C-407E-A947-70E740481C1C}">
+                <a14:useLocalDpi xmlns:a14="http://schemas.microsoft.com/office/drawing/2010/main" val="0"/>
+              </a:ext>
+            </a:extLst>
+          </a:blip>
+          <a:stretch>
+            <a:fillRect/>
+          </a:stretch>
+        </p:blipFill>
+        <p:spPr>
+          <a:xfrm flipV="1">
+            <a:off x="10350531" y="1363133"/>
+            <a:ext cx="2754489" cy="4131734"/>
+          </a:xfrm>
+          <a:prstGeom prst="rect">
+            <a:avLst/>
+          </a:prstGeom>
+        </p:spPr>
+      </p:pic>
     </p:spTree>
     <p:extLst>
       <p:ext uri="{BB962C8B-B14F-4D97-AF65-F5344CB8AC3E}">
@@ -4361,6 +4604,18 @@
   <p:clrMapOvr>
     <a:masterClrMapping/>
   </p:clrMapOvr>
+  <mc:AlternateContent xmlns:mc="http://schemas.openxmlformats.org/markup-compatibility/2006" xmlns:p15="http://schemas.microsoft.com/office/powerpoint/2012/main">
+    <mc:Choice Requires="p15">
+      <p:transition xmlns:p14="http://schemas.microsoft.com/office/powerpoint/2010/main" spd="slow" p14:dur="2000">
+        <p15:prstTrans prst="fracture"/>
+      </p:transition>
+    </mc:Choice>
+    <mc:Fallback xmlns="">
+      <p:transition spd="slow">
+        <p:fade/>
+      </p:transition>
+    </mc:Fallback>
+  </mc:AlternateContent>
 </p:sld>
 </file>
 
@@ -4435,7 +4690,14 @@
           <a:lstStyle/>
           <a:p>
             <a:r>
-              <a:rPr lang="en-US" dirty="0"/>
+              <a:rPr lang="en-US" b="1" dirty="0">
+                <a:solidFill>
+                  <a:schemeClr val="accent1">
+                    <a:lumMod val="20000"/>
+                    <a:lumOff val="80000"/>
+                  </a:schemeClr>
+                </a:solidFill>
+              </a:rPr>
               <a:t>Battle Plan	</a:t>
             </a:r>
           </a:p>
@@ -4507,6 +4769,78 @@
           </a:p>
         </p:txBody>
       </p:sp>
+      <p:pic>
+        <p:nvPicPr>
+          <p:cNvPr id="6" name="Picture 5">
+            <a:extLst>
+              <a:ext uri="{FF2B5EF4-FFF2-40B4-BE49-F238E27FC236}">
+                <a16:creationId xmlns:a16="http://schemas.microsoft.com/office/drawing/2014/main" id="{48327926-5513-BD4A-FBDD-15EE222CDCBD}"/>
+              </a:ext>
+            </a:extLst>
+          </p:cNvPr>
+          <p:cNvPicPr>
+            <a:picLocks noChangeAspect="1"/>
+          </p:cNvPicPr>
+          <p:nvPr/>
+        </p:nvPicPr>
+        <p:blipFill>
+          <a:blip r:embed="rId2">
+            <a:extLst>
+              <a:ext uri="{28A0092B-C50C-407E-A947-70E740481C1C}">
+                <a14:useLocalDpi xmlns:a14="http://schemas.microsoft.com/office/drawing/2010/main" val="0"/>
+              </a:ext>
+            </a:extLst>
+          </a:blip>
+          <a:stretch>
+            <a:fillRect/>
+          </a:stretch>
+        </p:blipFill>
+        <p:spPr>
+          <a:xfrm flipV="1">
+            <a:off x="-1037135" y="1363133"/>
+            <a:ext cx="2754489" cy="4131734"/>
+          </a:xfrm>
+          <a:prstGeom prst="rect">
+            <a:avLst/>
+          </a:prstGeom>
+        </p:spPr>
+      </p:pic>
+      <p:pic>
+        <p:nvPicPr>
+          <p:cNvPr id="7" name="Picture 6">
+            <a:extLst>
+              <a:ext uri="{FF2B5EF4-FFF2-40B4-BE49-F238E27FC236}">
+                <a16:creationId xmlns:a16="http://schemas.microsoft.com/office/drawing/2014/main" id="{B2E98133-DCEB-7DDE-9F6F-436CA9172BC2}"/>
+              </a:ext>
+            </a:extLst>
+          </p:cNvPr>
+          <p:cNvPicPr>
+            <a:picLocks noChangeAspect="1"/>
+          </p:cNvPicPr>
+          <p:nvPr/>
+        </p:nvPicPr>
+        <p:blipFill>
+          <a:blip r:embed="rId2">
+            <a:extLst>
+              <a:ext uri="{28A0092B-C50C-407E-A947-70E740481C1C}">
+                <a14:useLocalDpi xmlns:a14="http://schemas.microsoft.com/office/drawing/2010/main" val="0"/>
+              </a:ext>
+            </a:extLst>
+          </a:blip>
+          <a:stretch>
+            <a:fillRect/>
+          </a:stretch>
+        </p:blipFill>
+        <p:spPr>
+          <a:xfrm flipV="1">
+            <a:off x="10311999" y="1363133"/>
+            <a:ext cx="2754489" cy="4131734"/>
+          </a:xfrm>
+          <a:prstGeom prst="rect">
+            <a:avLst/>
+          </a:prstGeom>
+        </p:spPr>
+      </p:pic>
     </p:spTree>
     <p:extLst>
       <p:ext uri="{BB962C8B-B14F-4D97-AF65-F5344CB8AC3E}">
@@ -4517,6 +4851,18 @@
   <p:clrMapOvr>
     <a:masterClrMapping/>
   </p:clrMapOvr>
+  <mc:AlternateContent xmlns:mc="http://schemas.openxmlformats.org/markup-compatibility/2006" xmlns:p15="http://schemas.microsoft.com/office/powerpoint/2012/main">
+    <mc:Choice Requires="p15">
+      <p:transition xmlns:p14="http://schemas.microsoft.com/office/powerpoint/2010/main" spd="slow" p14:dur="2000">
+        <p15:prstTrans prst="fracture"/>
+      </p:transition>
+    </mc:Choice>
+    <mc:Fallback xmlns="">
+      <p:transition spd="slow">
+        <p:fade/>
+      </p:transition>
+    </mc:Fallback>
+  </mc:AlternateContent>
 </p:sld>
 </file>
 
@@ -4559,7 +4905,14 @@
           <a:lstStyle/>
           <a:p>
             <a:r>
-              <a:rPr lang="en-US" dirty="0"/>
+              <a:rPr lang="en-US" b="1" dirty="0">
+                <a:solidFill>
+                  <a:schemeClr val="accent1">
+                    <a:lumMod val="20000"/>
+                    <a:lumOff val="80000"/>
+                  </a:schemeClr>
+                </a:solidFill>
+              </a:rPr>
               <a:t>Execution</a:t>
             </a:r>
           </a:p>
@@ -4632,19 +4985,83 @@
             </a:pPr>
             <a:r>
               <a:rPr lang="en-US" sz="12800" dirty="0"/>
-              <a:t>PS. Make sure you get Bear Stew for </a:t>
-            </a:r>
-            <a:r>
-              <a:rPr lang="en-US" sz="12800" dirty="0" err="1"/>
-              <a:t>Ghengis</a:t>
-            </a:r>
-            <a:r>
-              <a:rPr lang="en-US" sz="12800" dirty="0"/>
-              <a:t> Khan during the meeting!!</a:t>
-            </a:r>
-          </a:p>
-        </p:txBody>
-      </p:sp>
+              <a:t>PS. Make sure you get Bear Stew for Genghis Khan during the meeting!!</a:t>
+            </a:r>
+          </a:p>
+        </p:txBody>
+      </p:sp>
+      <p:pic>
+        <p:nvPicPr>
+          <p:cNvPr id="5" name="Picture 4">
+            <a:extLst>
+              <a:ext uri="{FF2B5EF4-FFF2-40B4-BE49-F238E27FC236}">
+                <a16:creationId xmlns:a16="http://schemas.microsoft.com/office/drawing/2014/main" id="{FB5358FA-C016-F474-460E-BD6AE5CDD96D}"/>
+              </a:ext>
+            </a:extLst>
+          </p:cNvPr>
+          <p:cNvPicPr>
+            <a:picLocks noChangeAspect="1"/>
+          </p:cNvPicPr>
+          <p:nvPr/>
+        </p:nvPicPr>
+        <p:blipFill>
+          <a:blip r:embed="rId2">
+            <a:extLst>
+              <a:ext uri="{28A0092B-C50C-407E-A947-70E740481C1C}">
+                <a14:useLocalDpi xmlns:a14="http://schemas.microsoft.com/office/drawing/2010/main" val="0"/>
+              </a:ext>
+            </a:extLst>
+          </a:blip>
+          <a:stretch>
+            <a:fillRect/>
+          </a:stretch>
+        </p:blipFill>
+        <p:spPr>
+          <a:xfrm flipV="1">
+            <a:off x="-1037135" y="1363133"/>
+            <a:ext cx="2754489" cy="4131734"/>
+          </a:xfrm>
+          <a:prstGeom prst="rect">
+            <a:avLst/>
+          </a:prstGeom>
+        </p:spPr>
+      </p:pic>
+      <p:pic>
+        <p:nvPicPr>
+          <p:cNvPr id="6" name="Picture 5">
+            <a:extLst>
+              <a:ext uri="{FF2B5EF4-FFF2-40B4-BE49-F238E27FC236}">
+                <a16:creationId xmlns:a16="http://schemas.microsoft.com/office/drawing/2014/main" id="{73F8BA1F-76D9-C577-1720-4F82E511F149}"/>
+              </a:ext>
+            </a:extLst>
+          </p:cNvPr>
+          <p:cNvPicPr>
+            <a:picLocks noChangeAspect="1"/>
+          </p:cNvPicPr>
+          <p:nvPr/>
+        </p:nvPicPr>
+        <p:blipFill>
+          <a:blip r:embed="rId2">
+            <a:extLst>
+              <a:ext uri="{28A0092B-C50C-407E-A947-70E740481C1C}">
+                <a14:useLocalDpi xmlns:a14="http://schemas.microsoft.com/office/drawing/2010/main" val="0"/>
+              </a:ext>
+            </a:extLst>
+          </a:blip>
+          <a:stretch>
+            <a:fillRect/>
+          </a:stretch>
+        </p:blipFill>
+        <p:spPr>
+          <a:xfrm flipV="1">
+            <a:off x="10333599" y="1363133"/>
+            <a:ext cx="2754489" cy="4131734"/>
+          </a:xfrm>
+          <a:prstGeom prst="rect">
+            <a:avLst/>
+          </a:prstGeom>
+        </p:spPr>
+      </p:pic>
     </p:spTree>
     <p:extLst>
       <p:ext uri="{BB962C8B-B14F-4D97-AF65-F5344CB8AC3E}">
@@ -4655,6 +5072,18 @@
   <p:clrMapOvr>
     <a:masterClrMapping/>
   </p:clrMapOvr>
+  <mc:AlternateContent xmlns:mc="http://schemas.openxmlformats.org/markup-compatibility/2006" xmlns:p15="http://schemas.microsoft.com/office/powerpoint/2012/main">
+    <mc:Choice Requires="p15">
+      <p:transition xmlns:p14="http://schemas.microsoft.com/office/powerpoint/2010/main" spd="slow" p14:dur="2000">
+        <p15:prstTrans prst="fracture"/>
+      </p:transition>
+    </mc:Choice>
+    <mc:Fallback xmlns="">
+      <p:transition spd="slow">
+        <p:fade/>
+      </p:transition>
+    </mc:Fallback>
+  </mc:AlternateContent>
 </p:sld>
 </file>
 
@@ -4697,7 +5126,14 @@
           <a:lstStyle/>
           <a:p>
             <a:r>
-              <a:rPr lang="en-US" dirty="0"/>
+              <a:rPr lang="en-US" b="1" dirty="0">
+                <a:solidFill>
+                  <a:schemeClr val="accent1">
+                    <a:lumMod val="20000"/>
+                    <a:lumOff val="80000"/>
+                  </a:schemeClr>
+                </a:solidFill>
+              </a:rPr>
               <a:t>Smelter’s Forge</a:t>
             </a:r>
           </a:p>
@@ -4873,6 +5309,78 @@
           </a:effectLst>
         </p:spPr>
       </p:pic>
+      <p:pic>
+        <p:nvPicPr>
+          <p:cNvPr id="3" name="Picture 2">
+            <a:extLst>
+              <a:ext uri="{FF2B5EF4-FFF2-40B4-BE49-F238E27FC236}">
+                <a16:creationId xmlns:a16="http://schemas.microsoft.com/office/drawing/2014/main" id="{45CD8D68-5B8F-9AA3-3670-C2CF4845D420}"/>
+              </a:ext>
+            </a:extLst>
+          </p:cNvPr>
+          <p:cNvPicPr>
+            <a:picLocks noChangeAspect="1"/>
+          </p:cNvPicPr>
+          <p:nvPr/>
+        </p:nvPicPr>
+        <p:blipFill>
+          <a:blip r:embed="rId4">
+            <a:extLst>
+              <a:ext uri="{28A0092B-C50C-407E-A947-70E740481C1C}">
+                <a14:useLocalDpi xmlns:a14="http://schemas.microsoft.com/office/drawing/2010/main" val="0"/>
+              </a:ext>
+            </a:extLst>
+          </a:blip>
+          <a:stretch>
+            <a:fillRect/>
+          </a:stretch>
+        </p:blipFill>
+        <p:spPr>
+          <a:xfrm flipV="1">
+            <a:off x="-1037135" y="1363133"/>
+            <a:ext cx="2754489" cy="4131734"/>
+          </a:xfrm>
+          <a:prstGeom prst="rect">
+            <a:avLst/>
+          </a:prstGeom>
+        </p:spPr>
+      </p:pic>
+      <p:pic>
+        <p:nvPicPr>
+          <p:cNvPr id="5" name="Picture 4">
+            <a:extLst>
+              <a:ext uri="{FF2B5EF4-FFF2-40B4-BE49-F238E27FC236}">
+                <a16:creationId xmlns:a16="http://schemas.microsoft.com/office/drawing/2014/main" id="{23C39F56-68E4-BDD0-4213-0752F29ABD33}"/>
+              </a:ext>
+            </a:extLst>
+          </p:cNvPr>
+          <p:cNvPicPr>
+            <a:picLocks noChangeAspect="1"/>
+          </p:cNvPicPr>
+          <p:nvPr/>
+        </p:nvPicPr>
+        <p:blipFill>
+          <a:blip r:embed="rId4">
+            <a:extLst>
+              <a:ext uri="{28A0092B-C50C-407E-A947-70E740481C1C}">
+                <a14:useLocalDpi xmlns:a14="http://schemas.microsoft.com/office/drawing/2010/main" val="0"/>
+              </a:ext>
+            </a:extLst>
+          </a:blip>
+          <a:stretch>
+            <a:fillRect/>
+          </a:stretch>
+        </p:blipFill>
+        <p:spPr>
+          <a:xfrm flipV="1">
+            <a:off x="10350531" y="1429883"/>
+            <a:ext cx="2754489" cy="4131734"/>
+          </a:xfrm>
+          <a:prstGeom prst="rect">
+            <a:avLst/>
+          </a:prstGeom>
+        </p:spPr>
+      </p:pic>
     </p:spTree>
     <p:extLst>
       <p:ext uri="{BB962C8B-B14F-4D97-AF65-F5344CB8AC3E}">
@@ -4883,6 +5391,18 @@
   <p:clrMapOvr>
     <a:masterClrMapping/>
   </p:clrMapOvr>
+  <mc:AlternateContent xmlns:mc="http://schemas.openxmlformats.org/markup-compatibility/2006" xmlns:p15="http://schemas.microsoft.com/office/powerpoint/2012/main">
+    <mc:Choice Requires="p15">
+      <p:transition xmlns:p14="http://schemas.microsoft.com/office/powerpoint/2010/main" spd="slow" p14:dur="2000">
+        <p15:prstTrans prst="fracture"/>
+      </p:transition>
+    </mc:Choice>
+    <mc:Fallback xmlns="">
+      <p:transition spd="slow">
+        <p:fade/>
+      </p:transition>
+    </mc:Fallback>
+  </mc:AlternateContent>
 </p:sld>
 </file>
 
@@ -4926,6 +5446,12 @@
           <a:p>
             <a:r>
               <a:rPr lang="en-US" b="1" dirty="0">
+                <a:solidFill>
+                  <a:schemeClr val="accent1">
+                    <a:lumMod val="20000"/>
+                    <a:lumOff val="80000"/>
+                  </a:schemeClr>
+                </a:solidFill>
                 <a:effectLst>
                   <a:outerShdw blurRad="38100" dist="38100" dir="2700000" algn="tl">
                     <a:srgbClr val="000000">
@@ -5205,6 +5731,78 @@
           </a:p>
         </p:txBody>
       </p:sp>
+      <p:pic>
+        <p:nvPicPr>
+          <p:cNvPr id="3" name="Picture 2">
+            <a:extLst>
+              <a:ext uri="{FF2B5EF4-FFF2-40B4-BE49-F238E27FC236}">
+                <a16:creationId xmlns:a16="http://schemas.microsoft.com/office/drawing/2014/main" id="{CDF94D89-6223-1A7E-5DD9-20A888C45E01}"/>
+              </a:ext>
+            </a:extLst>
+          </p:cNvPr>
+          <p:cNvPicPr>
+            <a:picLocks noChangeAspect="1"/>
+          </p:cNvPicPr>
+          <p:nvPr/>
+        </p:nvPicPr>
+        <p:blipFill>
+          <a:blip r:embed="rId5">
+            <a:extLst>
+              <a:ext uri="{28A0092B-C50C-407E-A947-70E740481C1C}">
+                <a14:useLocalDpi xmlns:a14="http://schemas.microsoft.com/office/drawing/2010/main" val="0"/>
+              </a:ext>
+            </a:extLst>
+          </a:blip>
+          <a:stretch>
+            <a:fillRect/>
+          </a:stretch>
+        </p:blipFill>
+        <p:spPr>
+          <a:xfrm flipV="1">
+            <a:off x="-1037135" y="1363133"/>
+            <a:ext cx="2754489" cy="4131734"/>
+          </a:xfrm>
+          <a:prstGeom prst="rect">
+            <a:avLst/>
+          </a:prstGeom>
+        </p:spPr>
+      </p:pic>
+      <p:pic>
+        <p:nvPicPr>
+          <p:cNvPr id="5" name="Picture 4">
+            <a:extLst>
+              <a:ext uri="{FF2B5EF4-FFF2-40B4-BE49-F238E27FC236}">
+                <a16:creationId xmlns:a16="http://schemas.microsoft.com/office/drawing/2014/main" id="{BDDE83C1-BCF9-DA4C-8504-9E2B5C676500}"/>
+              </a:ext>
+            </a:extLst>
+          </p:cNvPr>
+          <p:cNvPicPr>
+            <a:picLocks noChangeAspect="1"/>
+          </p:cNvPicPr>
+          <p:nvPr/>
+        </p:nvPicPr>
+        <p:blipFill>
+          <a:blip r:embed="rId5">
+            <a:extLst>
+              <a:ext uri="{28A0092B-C50C-407E-A947-70E740481C1C}">
+                <a14:useLocalDpi xmlns:a14="http://schemas.microsoft.com/office/drawing/2010/main" val="0"/>
+              </a:ext>
+            </a:extLst>
+          </a:blip>
+          <a:stretch>
+            <a:fillRect/>
+          </a:stretch>
+        </p:blipFill>
+        <p:spPr>
+          <a:xfrm flipV="1">
+            <a:off x="10345851" y="1363133"/>
+            <a:ext cx="2754489" cy="4131734"/>
+          </a:xfrm>
+          <a:prstGeom prst="rect">
+            <a:avLst/>
+          </a:prstGeom>
+        </p:spPr>
+      </p:pic>
     </p:spTree>
     <p:extLst>
       <p:ext uri="{BB962C8B-B14F-4D97-AF65-F5344CB8AC3E}">
@@ -5215,6 +5813,18 @@
   <p:clrMapOvr>
     <a:masterClrMapping/>
   </p:clrMapOvr>
+  <mc:AlternateContent xmlns:mc="http://schemas.openxmlformats.org/markup-compatibility/2006" xmlns:p15="http://schemas.microsoft.com/office/powerpoint/2012/main">
+    <mc:Choice Requires="p15">
+      <p:transition xmlns:p14="http://schemas.microsoft.com/office/powerpoint/2010/main" spd="slow" p14:dur="2000">
+        <p15:prstTrans prst="fracture"/>
+      </p:transition>
+    </mc:Choice>
+    <mc:Fallback xmlns="">
+      <p:transition spd="slow">
+        <p:fade/>
+      </p:transition>
+    </mc:Fallback>
+  </mc:AlternateContent>
 </p:sld>
 </file>
 
@@ -5325,6 +5935,78 @@
           </a:p>
         </p:txBody>
       </p:sp>
+      <p:pic>
+        <p:nvPicPr>
+          <p:cNvPr id="4" name="Picture 3">
+            <a:extLst>
+              <a:ext uri="{FF2B5EF4-FFF2-40B4-BE49-F238E27FC236}">
+                <a16:creationId xmlns:a16="http://schemas.microsoft.com/office/drawing/2014/main" id="{9FFDECAC-0B06-8D16-8EE9-AC8A43AC95C5}"/>
+              </a:ext>
+            </a:extLst>
+          </p:cNvPr>
+          <p:cNvPicPr>
+            <a:picLocks noChangeAspect="1"/>
+          </p:cNvPicPr>
+          <p:nvPr/>
+        </p:nvPicPr>
+        <p:blipFill>
+          <a:blip r:embed="rId3">
+            <a:extLst>
+              <a:ext uri="{28A0092B-C50C-407E-A947-70E740481C1C}">
+                <a14:useLocalDpi xmlns:a14="http://schemas.microsoft.com/office/drawing/2010/main" val="0"/>
+              </a:ext>
+            </a:extLst>
+          </a:blip>
+          <a:stretch>
+            <a:fillRect/>
+          </a:stretch>
+        </p:blipFill>
+        <p:spPr>
+          <a:xfrm flipV="1">
+            <a:off x="-1037135" y="1363133"/>
+            <a:ext cx="2754489" cy="4131734"/>
+          </a:xfrm>
+          <a:prstGeom prst="rect">
+            <a:avLst/>
+          </a:prstGeom>
+        </p:spPr>
+      </p:pic>
+      <p:pic>
+        <p:nvPicPr>
+          <p:cNvPr id="5" name="Picture 4">
+            <a:extLst>
+              <a:ext uri="{FF2B5EF4-FFF2-40B4-BE49-F238E27FC236}">
+                <a16:creationId xmlns:a16="http://schemas.microsoft.com/office/drawing/2014/main" id="{2E4CEF79-375F-3EBB-F9CA-781C2A92C01B}"/>
+              </a:ext>
+            </a:extLst>
+          </p:cNvPr>
+          <p:cNvPicPr>
+            <a:picLocks noChangeAspect="1"/>
+          </p:cNvPicPr>
+          <p:nvPr/>
+        </p:nvPicPr>
+        <p:blipFill>
+          <a:blip r:embed="rId3">
+            <a:extLst>
+              <a:ext uri="{28A0092B-C50C-407E-A947-70E740481C1C}">
+                <a14:useLocalDpi xmlns:a14="http://schemas.microsoft.com/office/drawing/2010/main" val="0"/>
+              </a:ext>
+            </a:extLst>
+          </a:blip>
+          <a:stretch>
+            <a:fillRect/>
+          </a:stretch>
+        </p:blipFill>
+        <p:spPr>
+          <a:xfrm flipV="1">
+            <a:off x="10308198" y="1363133"/>
+            <a:ext cx="2754489" cy="4131734"/>
+          </a:xfrm>
+          <a:prstGeom prst="rect">
+            <a:avLst/>
+          </a:prstGeom>
+        </p:spPr>
+      </p:pic>
     </p:spTree>
     <p:extLst>
       <p:ext uri="{BB962C8B-B14F-4D97-AF65-F5344CB8AC3E}">
@@ -5335,6 +6017,18 @@
   <p:clrMapOvr>
     <a:masterClrMapping/>
   </p:clrMapOvr>
+  <mc:AlternateContent xmlns:mc="http://schemas.openxmlformats.org/markup-compatibility/2006" xmlns:p15="http://schemas.microsoft.com/office/powerpoint/2012/main">
+    <mc:Choice Requires="p15">
+      <p:transition xmlns:p14="http://schemas.microsoft.com/office/powerpoint/2010/main" spd="slow" p14:dur="2000">
+        <p15:prstTrans prst="fracture"/>
+      </p:transition>
+    </mc:Choice>
+    <mc:Fallback xmlns="">
+      <p:transition spd="slow">
+        <p:fade/>
+      </p:transition>
+    </mc:Fallback>
+  </mc:AlternateContent>
 </p:sld>
 </file>
 
@@ -5378,6 +6072,12 @@
           <a:p>
             <a:r>
               <a:rPr lang="en-US" b="1" dirty="0">
+                <a:solidFill>
+                  <a:schemeClr val="accent1">
+                    <a:lumMod val="20000"/>
+                    <a:lumOff val="80000"/>
+                  </a:schemeClr>
+                </a:solidFill>
                 <a:effectLst>
                   <a:outerShdw blurRad="38100" dist="38100" dir="2700000" algn="tl">
                     <a:srgbClr val="000000">
@@ -5683,6 +6383,78 @@
           </a:extLst>
         </p:spPr>
       </p:pic>
+      <p:pic>
+        <p:nvPicPr>
+          <p:cNvPr id="3" name="Picture 2">
+            <a:extLst>
+              <a:ext uri="{FF2B5EF4-FFF2-40B4-BE49-F238E27FC236}">
+                <a16:creationId xmlns:a16="http://schemas.microsoft.com/office/drawing/2014/main" id="{EC3A7F9A-AC98-81B3-9663-1B2414E3B793}"/>
+              </a:ext>
+            </a:extLst>
+          </p:cNvPr>
+          <p:cNvPicPr>
+            <a:picLocks noChangeAspect="1"/>
+          </p:cNvPicPr>
+          <p:nvPr/>
+        </p:nvPicPr>
+        <p:blipFill>
+          <a:blip r:embed="rId5">
+            <a:extLst>
+              <a:ext uri="{28A0092B-C50C-407E-A947-70E740481C1C}">
+                <a14:useLocalDpi xmlns:a14="http://schemas.microsoft.com/office/drawing/2010/main" val="0"/>
+              </a:ext>
+            </a:extLst>
+          </a:blip>
+          <a:stretch>
+            <a:fillRect/>
+          </a:stretch>
+        </p:blipFill>
+        <p:spPr>
+          <a:xfrm flipV="1">
+            <a:off x="-1037135" y="1363133"/>
+            <a:ext cx="2754489" cy="4131734"/>
+          </a:xfrm>
+          <a:prstGeom prst="rect">
+            <a:avLst/>
+          </a:prstGeom>
+        </p:spPr>
+      </p:pic>
+      <p:pic>
+        <p:nvPicPr>
+          <p:cNvPr id="5" name="Picture 4">
+            <a:extLst>
+              <a:ext uri="{FF2B5EF4-FFF2-40B4-BE49-F238E27FC236}">
+                <a16:creationId xmlns:a16="http://schemas.microsoft.com/office/drawing/2014/main" id="{0E14513D-D08D-6F86-8DC5-42BCF6F3CFD3}"/>
+              </a:ext>
+            </a:extLst>
+          </p:cNvPr>
+          <p:cNvPicPr>
+            <a:picLocks noChangeAspect="1"/>
+          </p:cNvPicPr>
+          <p:nvPr/>
+        </p:nvPicPr>
+        <p:blipFill>
+          <a:blip r:embed="rId5">
+            <a:extLst>
+              <a:ext uri="{28A0092B-C50C-407E-A947-70E740481C1C}">
+                <a14:useLocalDpi xmlns:a14="http://schemas.microsoft.com/office/drawing/2010/main" val="0"/>
+              </a:ext>
+            </a:extLst>
+          </a:blip>
+          <a:stretch>
+            <a:fillRect/>
+          </a:stretch>
+        </p:blipFill>
+        <p:spPr>
+          <a:xfrm flipV="1">
+            <a:off x="10335923" y="1420413"/>
+            <a:ext cx="2754489" cy="4131734"/>
+          </a:xfrm>
+          <a:prstGeom prst="rect">
+            <a:avLst/>
+          </a:prstGeom>
+        </p:spPr>
+      </p:pic>
     </p:spTree>
     <p:extLst>
       <p:ext uri="{BB962C8B-B14F-4D97-AF65-F5344CB8AC3E}">
@@ -5693,6 +6465,18 @@
   <p:clrMapOvr>
     <a:masterClrMapping/>
   </p:clrMapOvr>
+  <mc:AlternateContent xmlns:mc="http://schemas.openxmlformats.org/markup-compatibility/2006" xmlns:p15="http://schemas.microsoft.com/office/powerpoint/2012/main">
+    <mc:Choice Requires="p15">
+      <p:transition xmlns:p14="http://schemas.microsoft.com/office/powerpoint/2010/main" spd="slow" p14:dur="2000">
+        <p15:prstTrans prst="fracture"/>
+      </p:transition>
+    </mc:Choice>
+    <mc:Fallback xmlns="">
+      <p:transition spd="slow">
+        <p:fade/>
+      </p:transition>
+    </mc:Fallback>
+  </mc:AlternateContent>
 </p:sld>
 </file>
 
@@ -5736,6 +6520,12 @@
           <a:p>
             <a:r>
               <a:rPr lang="en-US" b="1" dirty="0">
+                <a:solidFill>
+                  <a:schemeClr val="accent1">
+                    <a:lumMod val="20000"/>
+                    <a:lumOff val="80000"/>
+                  </a:schemeClr>
+                </a:solidFill>
                 <a:effectLst>
                   <a:outerShdw blurRad="38100" dist="38100" dir="2700000" algn="tl">
                     <a:srgbClr val="000000">
@@ -6055,6 +6845,78 @@
           </a:extLst>
         </p:spPr>
       </p:pic>
+      <p:pic>
+        <p:nvPicPr>
+          <p:cNvPr id="3" name="Picture 2">
+            <a:extLst>
+              <a:ext uri="{FF2B5EF4-FFF2-40B4-BE49-F238E27FC236}">
+                <a16:creationId xmlns:a16="http://schemas.microsoft.com/office/drawing/2014/main" id="{A637B967-FB67-CB19-6550-9192AB9873B6}"/>
+              </a:ext>
+            </a:extLst>
+          </p:cNvPr>
+          <p:cNvPicPr>
+            <a:picLocks noChangeAspect="1"/>
+          </p:cNvPicPr>
+          <p:nvPr/>
+        </p:nvPicPr>
+        <p:blipFill>
+          <a:blip r:embed="rId5">
+            <a:extLst>
+              <a:ext uri="{28A0092B-C50C-407E-A947-70E740481C1C}">
+                <a14:useLocalDpi xmlns:a14="http://schemas.microsoft.com/office/drawing/2010/main" val="0"/>
+              </a:ext>
+            </a:extLst>
+          </a:blip>
+          <a:stretch>
+            <a:fillRect/>
+          </a:stretch>
+        </p:blipFill>
+        <p:spPr>
+          <a:xfrm flipV="1">
+            <a:off x="-1037135" y="1363133"/>
+            <a:ext cx="2754489" cy="4131734"/>
+          </a:xfrm>
+          <a:prstGeom prst="rect">
+            <a:avLst/>
+          </a:prstGeom>
+        </p:spPr>
+      </p:pic>
+      <p:pic>
+        <p:nvPicPr>
+          <p:cNvPr id="5" name="Picture 4">
+            <a:extLst>
+              <a:ext uri="{FF2B5EF4-FFF2-40B4-BE49-F238E27FC236}">
+                <a16:creationId xmlns:a16="http://schemas.microsoft.com/office/drawing/2014/main" id="{2FA23FA0-82FB-04A5-2027-0D79F7BB0ED2}"/>
+              </a:ext>
+            </a:extLst>
+          </p:cNvPr>
+          <p:cNvPicPr>
+            <a:picLocks noChangeAspect="1"/>
+          </p:cNvPicPr>
+          <p:nvPr/>
+        </p:nvPicPr>
+        <p:blipFill>
+          <a:blip r:embed="rId5">
+            <a:extLst>
+              <a:ext uri="{28A0092B-C50C-407E-A947-70E740481C1C}">
+                <a14:useLocalDpi xmlns:a14="http://schemas.microsoft.com/office/drawing/2010/main" val="0"/>
+              </a:ext>
+            </a:extLst>
+          </a:blip>
+          <a:stretch>
+            <a:fillRect/>
+          </a:stretch>
+        </p:blipFill>
+        <p:spPr>
+          <a:xfrm flipV="1">
+            <a:off x="10299732" y="1420413"/>
+            <a:ext cx="2754489" cy="4131734"/>
+          </a:xfrm>
+          <a:prstGeom prst="rect">
+            <a:avLst/>
+          </a:prstGeom>
+        </p:spPr>
+      </p:pic>
     </p:spTree>
     <p:extLst>
       <p:ext uri="{BB962C8B-B14F-4D97-AF65-F5344CB8AC3E}">
@@ -6065,6 +6927,18 @@
   <p:clrMapOvr>
     <a:masterClrMapping/>
   </p:clrMapOvr>
+  <mc:AlternateContent xmlns:mc="http://schemas.openxmlformats.org/markup-compatibility/2006" xmlns:p15="http://schemas.microsoft.com/office/powerpoint/2012/main">
+    <mc:Choice Requires="p15">
+      <p:transition xmlns:p14="http://schemas.microsoft.com/office/powerpoint/2010/main" spd="slow" p14:dur="2000">
+        <p15:prstTrans prst="fracture"/>
+      </p:transition>
+    </mc:Choice>
+    <mc:Fallback xmlns="">
+      <p:transition spd="slow">
+        <p:fade/>
+      </p:transition>
+    </mc:Fallback>
+  </mc:AlternateContent>
 </p:sld>
 </file>
 
@@ -6107,7 +6981,14 @@
           <a:lstStyle/>
           <a:p>
             <a:r>
-              <a:rPr lang="en-US" dirty="0"/>
+              <a:rPr lang="en-US" b="1" dirty="0">
+                <a:solidFill>
+                  <a:schemeClr val="accent1">
+                    <a:lumMod val="20000"/>
+                    <a:lumOff val="80000"/>
+                  </a:schemeClr>
+                </a:solidFill>
+              </a:rPr>
               <a:t>Fallen Brethren</a:t>
             </a:r>
           </a:p>
@@ -6139,19 +7020,95 @@
             </a:pPr>
             <a:r>
               <a:rPr lang="en-US" dirty="0"/>
-              <a:t>Amongst a great many tyrants and foes, we finally saw the fruits of our labor but, in the process, lost many allies we made along the way. Those comrades are our mental sanity when dealing with base estimators, error blocks, </a:t>
-            </a:r>
-            <a:r>
-              <a:rPr lang="en-US" dirty="0" err="1"/>
+              <a:t>Amongst a great many tyrants and foes, we finally saw the fruits of our labor but, in the process, lost many allies we made along the way. Those comrades are our mental sanity when dealing with </a:t>
+            </a:r>
+            <a:r>
+              <a:rPr lang="en-US" b="1" dirty="0"/>
+              <a:t>base estimators, error blocks, </a:t>
+            </a:r>
+            <a:r>
+              <a:rPr lang="en-US" b="1" dirty="0" err="1"/>
               <a:t>oob</a:t>
             </a:r>
             <a:r>
-              <a:rPr lang="en-US" dirty="0"/>
+              <a:rPr lang="en-US" b="1" dirty="0"/>
               <a:t> score handling, assessing features and cleaning the data with a complexity of ~100 features, the null value reducing our dataset, and anonymizing data.</a:t>
             </a:r>
           </a:p>
         </p:txBody>
       </p:sp>
+      <p:pic>
+        <p:nvPicPr>
+          <p:cNvPr id="4" name="Picture 3">
+            <a:extLst>
+              <a:ext uri="{FF2B5EF4-FFF2-40B4-BE49-F238E27FC236}">
+                <a16:creationId xmlns:a16="http://schemas.microsoft.com/office/drawing/2014/main" id="{F24933AD-7EF1-8AF0-9DAA-947DC3CBC2D6}"/>
+              </a:ext>
+            </a:extLst>
+          </p:cNvPr>
+          <p:cNvPicPr>
+            <a:picLocks noChangeAspect="1"/>
+          </p:cNvPicPr>
+          <p:nvPr/>
+        </p:nvPicPr>
+        <p:blipFill>
+          <a:blip r:embed="rId2">
+            <a:extLst>
+              <a:ext uri="{28A0092B-C50C-407E-A947-70E740481C1C}">
+                <a14:useLocalDpi xmlns:a14="http://schemas.microsoft.com/office/drawing/2010/main" val="0"/>
+              </a:ext>
+            </a:extLst>
+          </a:blip>
+          <a:stretch>
+            <a:fillRect/>
+          </a:stretch>
+        </p:blipFill>
+        <p:spPr>
+          <a:xfrm flipV="1">
+            <a:off x="-1037135" y="1363133"/>
+            <a:ext cx="2754489" cy="4131734"/>
+          </a:xfrm>
+          <a:prstGeom prst="rect">
+            <a:avLst/>
+          </a:prstGeom>
+        </p:spPr>
+      </p:pic>
+      <p:pic>
+        <p:nvPicPr>
+          <p:cNvPr id="5" name="Picture 4">
+            <a:extLst>
+              <a:ext uri="{FF2B5EF4-FFF2-40B4-BE49-F238E27FC236}">
+                <a16:creationId xmlns:a16="http://schemas.microsoft.com/office/drawing/2014/main" id="{8738F729-CE4F-21BE-BBA8-1B0656F3F8AD}"/>
+              </a:ext>
+            </a:extLst>
+          </p:cNvPr>
+          <p:cNvPicPr>
+            <a:picLocks noChangeAspect="1"/>
+          </p:cNvPicPr>
+          <p:nvPr/>
+        </p:nvPicPr>
+        <p:blipFill>
+          <a:blip r:embed="rId2">
+            <a:extLst>
+              <a:ext uri="{28A0092B-C50C-407E-A947-70E740481C1C}">
+                <a14:useLocalDpi xmlns:a14="http://schemas.microsoft.com/office/drawing/2010/main" val="0"/>
+              </a:ext>
+            </a:extLst>
+          </a:blip>
+          <a:stretch>
+            <a:fillRect/>
+          </a:stretch>
+        </p:blipFill>
+        <p:spPr>
+          <a:xfrm flipV="1">
+            <a:off x="10342065" y="1363133"/>
+            <a:ext cx="2754489" cy="4131734"/>
+          </a:xfrm>
+          <a:prstGeom prst="rect">
+            <a:avLst/>
+          </a:prstGeom>
+        </p:spPr>
+      </p:pic>
     </p:spTree>
     <p:extLst>
       <p:ext uri="{BB962C8B-B14F-4D97-AF65-F5344CB8AC3E}">
@@ -6162,6 +7119,18 @@
   <p:clrMapOvr>
     <a:masterClrMapping/>
   </p:clrMapOvr>
+  <mc:AlternateContent xmlns:mc="http://schemas.openxmlformats.org/markup-compatibility/2006" xmlns:p15="http://schemas.microsoft.com/office/powerpoint/2012/main">
+    <mc:Choice Requires="p15">
+      <p:transition xmlns:p14="http://schemas.microsoft.com/office/powerpoint/2010/main" spd="slow" p14:dur="2000">
+        <p15:prstTrans prst="fracture"/>
+      </p:transition>
+    </mc:Choice>
+    <mc:Fallback xmlns="">
+      <p:transition spd="slow">
+        <p:fade/>
+      </p:transition>
+    </mc:Fallback>
+  </mc:AlternateContent>
 </p:sld>
 </file>
 
